--- a/artifacts/demo/Hyper-Personalised Recommendation System.pptx
+++ b/artifacts/demo/Hyper-Personalised Recommendation System.pptx
@@ -28880,8 +28880,8 @@
         </p:nvSpPr>
         <p:spPr>
           <a:xfrm>
-            <a:off x="3257503" y="392638"/>
-            <a:ext cx="2531400" cy="708000"/>
+            <a:off x="345527" y="900"/>
+            <a:ext cx="3477300" cy="779100"/>
           </a:xfrm>
           <a:prstGeom prst="rect">
             <a:avLst/>
@@ -28910,7 +28910,7 @@
               <a:buNone/>
             </a:pPr>
             <a:r>
-              <a:rPr b="1" i="0" lang="en" sz="4600" u="none" cap="none" strike="noStrike">
+              <a:rPr b="1" i="0" lang="en" sz="3600" u="none" cap="none" strike="noStrike">
                 <a:solidFill>
                   <a:srgbClr val="000000"/>
                 </a:solidFill>
@@ -28921,7 +28921,7 @@
               </a:rPr>
               <a:t>Contents</a:t>
             </a:r>
-            <a:endParaRPr sz="700"/>
+            <a:endParaRPr sz="3600"/>
           </a:p>
         </p:txBody>
       </p:sp>
@@ -28933,7 +28933,7 @@
         </p:nvSpPr>
         <p:spPr>
           <a:xfrm>
-            <a:off x="978775" y="1328375"/>
+            <a:off x="978774" y="1328369"/>
             <a:ext cx="3477300" cy="231000"/>
           </a:xfrm>
           <a:prstGeom prst="rect">
@@ -43416,9 +43416,9 @@
 </file>
 
 <file path=ppt/theme/theme1.xml><?xml version="1.0" encoding="utf-8"?>
-<a:theme xmlns:a="http://schemas.openxmlformats.org/drawingml/2006/main" xmlns:r="http://schemas.openxmlformats.org/officeDocument/2006/relationships">
+<a:theme xmlns:a="http://schemas.openxmlformats.org/drawingml/2006/main" xmlns:r="http://schemas.openxmlformats.org/officeDocument/2006/relationships" name="Office Theme">
   <a:themeElements>
-    <a:clrScheme name="Default">
+    <a:clrScheme name="Office">
       <a:dk1>
         <a:srgbClr val="000000"/>
       </a:dk1>
@@ -43426,34 +43426,34 @@
         <a:srgbClr val="FFFFFF"/>
       </a:lt1>
       <a:dk2>
-        <a:srgbClr val="158158"/>
+        <a:srgbClr val="1F497D"/>
       </a:dk2>
       <a:lt2>
-        <a:srgbClr val="F3F3F3"/>
+        <a:srgbClr val="EEECE1"/>
       </a:lt2>
       <a:accent1>
-        <a:srgbClr val="058DC7"/>
+        <a:srgbClr val="4F81BD"/>
       </a:accent1>
       <a:accent2>
-        <a:srgbClr val="50B432"/>
+        <a:srgbClr val="C0504D"/>
       </a:accent2>
       <a:accent3>
-        <a:srgbClr val="ED561B"/>
+        <a:srgbClr val="9BBB59"/>
       </a:accent3>
       <a:accent4>
-        <a:srgbClr val="EDEF00"/>
+        <a:srgbClr val="8064A2"/>
       </a:accent4>
       <a:accent5>
-        <a:srgbClr val="24CBE5"/>
+        <a:srgbClr val="4BACC6"/>
       </a:accent5>
       <a:accent6>
-        <a:srgbClr val="64E572"/>
+        <a:srgbClr val="F79646"/>
       </a:accent6>
       <a:hlink>
-        <a:srgbClr val="2200CC"/>
+        <a:srgbClr val="0000FF"/>
       </a:hlink>
       <a:folHlink>
-        <a:srgbClr val="551A8B"/>
+        <a:srgbClr val="800080"/>
       </a:folHlink>
     </a:clrScheme>
     <a:fontScheme name="Office">
@@ -43974,9 +43974,9 @@
 </file>
 
 <file path=ppt/theme/theme3.xml><?xml version="1.0" encoding="utf-8"?>
-<a:theme xmlns:a="http://schemas.openxmlformats.org/drawingml/2006/main" xmlns:r="http://schemas.openxmlformats.org/officeDocument/2006/relationships" name="Office Theme">
+<a:theme xmlns:a="http://schemas.openxmlformats.org/drawingml/2006/main" xmlns:r="http://schemas.openxmlformats.org/officeDocument/2006/relationships">
   <a:themeElements>
-    <a:clrScheme name="Office">
+    <a:clrScheme name="Default">
       <a:dk1>
         <a:srgbClr val="000000"/>
       </a:dk1>
@@ -43984,34 +43984,34 @@
         <a:srgbClr val="FFFFFF"/>
       </a:lt1>
       <a:dk2>
-        <a:srgbClr val="1F497D"/>
+        <a:srgbClr val="158158"/>
       </a:dk2>
       <a:lt2>
-        <a:srgbClr val="EEECE1"/>
+        <a:srgbClr val="F3F3F3"/>
       </a:lt2>
       <a:accent1>
-        <a:srgbClr val="4F81BD"/>
+        <a:srgbClr val="058DC7"/>
       </a:accent1>
       <a:accent2>
-        <a:srgbClr val="C0504D"/>
+        <a:srgbClr val="50B432"/>
       </a:accent2>
       <a:accent3>
-        <a:srgbClr val="9BBB59"/>
+        <a:srgbClr val="ED561B"/>
       </a:accent3>
       <a:accent4>
-        <a:srgbClr val="8064A2"/>
+        <a:srgbClr val="EDEF00"/>
       </a:accent4>
       <a:accent5>
-        <a:srgbClr val="4BACC6"/>
+        <a:srgbClr val="24CBE5"/>
       </a:accent5>
       <a:accent6>
-        <a:srgbClr val="F79646"/>
+        <a:srgbClr val="64E572"/>
       </a:accent6>
       <a:hlink>
-        <a:srgbClr val="0000FF"/>
+        <a:srgbClr val="2200CC"/>
       </a:hlink>
       <a:folHlink>
-        <a:srgbClr val="800080"/>
+        <a:srgbClr val="551A8B"/>
       </a:folHlink>
     </a:clrScheme>
     <a:fontScheme name="Office">
